--- a/Lecture_8_Troposphere/temp/Troposhere.pptx
+++ b/Lecture_8_Troposphere/temp/Troposhere.pptx
@@ -5,14 +5,13 @@
     <p:sldMasterId id="2147483660" r:id="rId1"/>
   </p:sldMasterIdLst>
   <p:notesMasterIdLst>
-    <p:notesMasterId r:id="rId7"/>
+    <p:notesMasterId r:id="rId6"/>
   </p:notesMasterIdLst>
   <p:sldIdLst>
     <p:sldId id="256" r:id="rId2"/>
     <p:sldId id="281" r:id="rId3"/>
     <p:sldId id="283" r:id="rId4"/>
     <p:sldId id="282" r:id="rId5"/>
-    <p:sldId id="284" r:id="rId6"/>
   </p:sldIdLst>
   <p:sldSz cx="12192000" cy="6858000"/>
   <p:notesSz cx="6858000" cy="9144000"/>
@@ -120,7 +119,6 @@
             <p14:sldId id="281"/>
             <p14:sldId id="283"/>
             <p14:sldId id="282"/>
-            <p14:sldId id="284"/>
           </p14:sldIdLst>
         </p14:section>
       </p14:sectionLst>
@@ -214,7 +212,7 @@
           <a:p>
             <a:fld id="{07D895DB-E61D-4CE9-9710-80DFE93F382F}" type="datetimeFigureOut">
               <a:rPr lang="en-US" smtClean="0"/>
-              <a:t>9/3/2019</a:t>
+              <a:t>10/24/2019</a:t>
             </a:fld>
             <a:endParaRPr lang="en-US"/>
           </a:p>
@@ -525,6 +523,27 @@
           <a:bodyPr/>
           <a:lstStyle/>
           <a:p>
+            <a:r>
+              <a:rPr lang="en-US" sz="1200" b="1" i="0" kern="1200" dirty="0">
+                <a:solidFill>
+                  <a:schemeClr val="tx1"/>
+                </a:solidFill>
+                <a:effectLst/>
+                <a:highlight>
+                  <a:srgbClr val="000000"/>
+                </a:highlight>
+                <a:latin typeface="+mn-lt"/>
+                <a:ea typeface="+mn-ea"/>
+                <a:cs typeface="+mn-cs"/>
+              </a:rPr>
+              <a:t>Python examples: </a:t>
+            </a:r>
+            <a:r>
+              <a:rPr lang="en-US" dirty="0">
+                <a:hlinkClick r:id="rId3"/>
+              </a:rPr>
+              <a:t>https://github.com/cloudtools/troposphere/tree/master/examples</a:t>
+            </a:r>
             <a:endParaRPr lang="en-US" dirty="0"/>
           </a:p>
         </p:txBody>
@@ -556,6 +575,438 @@
     <p:extLst>
       <p:ext uri="{BB962C8B-B14F-4D97-AF65-F5344CB8AC3E}">
         <p14:creationId xmlns:p14="http://schemas.microsoft.com/office/powerpoint/2010/main" val="2150450977"/>
+      </p:ext>
+    </p:extLst>
+  </p:cSld>
+  <p:clrMapOvr>
+    <a:masterClrMapping/>
+  </p:clrMapOvr>
+</p:notes>
+</file>
+
+<file path=ppt/notesSlides/notesSlide2.xml><?xml version="1.0" encoding="utf-8"?>
+<p:notes xmlns:a="http://schemas.openxmlformats.org/drawingml/2006/main" xmlns:r="http://schemas.openxmlformats.org/officeDocument/2006/relationships" xmlns:p="http://schemas.openxmlformats.org/presentationml/2006/main">
+  <p:cSld>
+    <p:spTree>
+      <p:nvGrpSpPr>
+        <p:cNvPr id="1" name=""/>
+        <p:cNvGrpSpPr/>
+        <p:nvPr/>
+      </p:nvGrpSpPr>
+      <p:grpSpPr>
+        <a:xfrm>
+          <a:off x="0" y="0"/>
+          <a:ext cx="0" cy="0"/>
+          <a:chOff x="0" y="0"/>
+          <a:chExt cx="0" cy="0"/>
+        </a:xfrm>
+      </p:grpSpPr>
+      <p:sp>
+        <p:nvSpPr>
+          <p:cNvPr id="2" name="Slide Image Placeholder 1"/>
+          <p:cNvSpPr>
+            <a:spLocks noGrp="1" noRot="1" noChangeAspect="1"/>
+          </p:cNvSpPr>
+          <p:nvPr>
+            <p:ph type="sldImg"/>
+          </p:nvPr>
+        </p:nvSpPr>
+        <p:spPr/>
+      </p:sp>
+      <p:sp>
+        <p:nvSpPr>
+          <p:cNvPr id="3" name="Notes Placeholder 2"/>
+          <p:cNvSpPr>
+            <a:spLocks noGrp="1"/>
+          </p:cNvSpPr>
+          <p:nvPr>
+            <p:ph type="body" idx="1"/>
+          </p:nvPr>
+        </p:nvSpPr>
+        <p:spPr/>
+        <p:txBody>
+          <a:bodyPr/>
+          <a:lstStyle/>
+          <a:p>
+            <a:r>
+              <a:rPr lang="en-US" sz="1200" b="1" i="0" kern="1200" dirty="0">
+                <a:solidFill>
+                  <a:schemeClr val="tx1"/>
+                </a:solidFill>
+                <a:effectLst/>
+                <a:latin typeface="+mn-lt"/>
+                <a:ea typeface="+mn-ea"/>
+                <a:cs typeface="+mn-cs"/>
+              </a:rPr>
+              <a:t>Terraform vs troposphere: What are the differences?</a:t>
+            </a:r>
+            <a:endParaRPr lang="en-US" sz="1200" b="0" i="0" kern="1200" dirty="0">
+              <a:solidFill>
+                <a:schemeClr val="tx1"/>
+              </a:solidFill>
+              <a:effectLst/>
+              <a:latin typeface="+mn-lt"/>
+              <a:ea typeface="+mn-ea"/>
+              <a:cs typeface="+mn-cs"/>
+            </a:endParaRPr>
+          </a:p>
+          <a:p>
+            <a:r>
+              <a:rPr lang="en-US" sz="1200" b="0" i="0" kern="1200" dirty="0">
+                <a:solidFill>
+                  <a:schemeClr val="tx1"/>
+                </a:solidFill>
+                <a:effectLst/>
+                <a:latin typeface="+mn-lt"/>
+                <a:ea typeface="+mn-ea"/>
+                <a:cs typeface="+mn-cs"/>
+              </a:rPr>
+              <a:t>Developers describe </a:t>
+            </a:r>
+            <a:r>
+              <a:rPr lang="en-US" sz="1200" b="1" i="0" kern="1200" dirty="0">
+                <a:solidFill>
+                  <a:schemeClr val="tx1"/>
+                </a:solidFill>
+                <a:effectLst/>
+                <a:latin typeface="+mn-lt"/>
+                <a:ea typeface="+mn-ea"/>
+                <a:cs typeface="+mn-cs"/>
+              </a:rPr>
+              <a:t>Terraform</a:t>
+            </a:r>
+            <a:r>
+              <a:rPr lang="en-US" sz="1200" b="0" i="0" kern="1200" dirty="0">
+                <a:solidFill>
+                  <a:schemeClr val="tx1"/>
+                </a:solidFill>
+                <a:effectLst/>
+                <a:latin typeface="+mn-lt"/>
+                <a:ea typeface="+mn-ea"/>
+                <a:cs typeface="+mn-cs"/>
+              </a:rPr>
+              <a:t> as "</a:t>
+            </a:r>
+            <a:r>
+              <a:rPr lang="en-US" sz="1200" b="0" i="1" kern="1200" dirty="0">
+                <a:solidFill>
+                  <a:schemeClr val="tx1"/>
+                </a:solidFill>
+                <a:effectLst/>
+                <a:latin typeface="+mn-lt"/>
+                <a:ea typeface="+mn-ea"/>
+                <a:cs typeface="+mn-cs"/>
+              </a:rPr>
+              <a:t>Describe your complete infrastructure as code and build resources across providers</a:t>
+            </a:r>
+            <a:r>
+              <a:rPr lang="en-US" sz="1200" b="0" i="0" kern="1200" dirty="0">
+                <a:solidFill>
+                  <a:schemeClr val="tx1"/>
+                </a:solidFill>
+                <a:effectLst/>
+                <a:latin typeface="+mn-lt"/>
+                <a:ea typeface="+mn-ea"/>
+                <a:cs typeface="+mn-cs"/>
+              </a:rPr>
+              <a:t>". With Terraform, you describe your complete infrastructure as code, even as it spans multiple service providers. Your servers may come from AWS, your DNS may come from </a:t>
+            </a:r>
+            <a:r>
+              <a:rPr lang="en-US" sz="1200" b="0" i="0" kern="1200" dirty="0" err="1">
+                <a:solidFill>
+                  <a:schemeClr val="tx1"/>
+                </a:solidFill>
+                <a:effectLst/>
+                <a:latin typeface="+mn-lt"/>
+                <a:ea typeface="+mn-ea"/>
+                <a:cs typeface="+mn-cs"/>
+              </a:rPr>
+              <a:t>CloudFlare</a:t>
+            </a:r>
+            <a:r>
+              <a:rPr lang="en-US" sz="1200" b="0" i="0" kern="1200" dirty="0">
+                <a:solidFill>
+                  <a:schemeClr val="tx1"/>
+                </a:solidFill>
+                <a:effectLst/>
+                <a:latin typeface="+mn-lt"/>
+                <a:ea typeface="+mn-ea"/>
+                <a:cs typeface="+mn-cs"/>
+              </a:rPr>
+              <a:t>, and your database may come from Heroku. Terraform will build all these resources across all these providers in parallel. On the other hand, </a:t>
+            </a:r>
+            <a:r>
+              <a:rPr lang="en-US" sz="1200" b="1" i="0" kern="1200" dirty="0">
+                <a:solidFill>
+                  <a:schemeClr val="tx1"/>
+                </a:solidFill>
+                <a:effectLst/>
+                <a:latin typeface="+mn-lt"/>
+                <a:ea typeface="+mn-ea"/>
+                <a:cs typeface="+mn-cs"/>
+              </a:rPr>
+              <a:t>troposphere</a:t>
+            </a:r>
+            <a:r>
+              <a:rPr lang="en-US" sz="1200" b="0" i="0" kern="1200" dirty="0">
+                <a:solidFill>
+                  <a:schemeClr val="tx1"/>
+                </a:solidFill>
+                <a:effectLst/>
+                <a:latin typeface="+mn-lt"/>
+                <a:ea typeface="+mn-ea"/>
+                <a:cs typeface="+mn-cs"/>
+              </a:rPr>
+              <a:t> is detailed as "</a:t>
+            </a:r>
+            <a:r>
+              <a:rPr lang="en-US" sz="1200" b="0" i="1" kern="1200" dirty="0">
+                <a:solidFill>
+                  <a:schemeClr val="tx1"/>
+                </a:solidFill>
+                <a:effectLst/>
+                <a:latin typeface="+mn-lt"/>
+                <a:ea typeface="+mn-ea"/>
+                <a:cs typeface="+mn-cs"/>
+              </a:rPr>
+              <a:t>Library to create AWS CloudFormation descriptions</a:t>
+            </a:r>
+            <a:r>
+              <a:rPr lang="en-US" sz="1200" b="0" i="0" kern="1200" dirty="0">
+                <a:solidFill>
+                  <a:schemeClr val="tx1"/>
+                </a:solidFill>
+                <a:effectLst/>
+                <a:latin typeface="+mn-lt"/>
+                <a:ea typeface="+mn-ea"/>
+                <a:cs typeface="+mn-cs"/>
+              </a:rPr>
+              <a:t>". The troposphere library allows for easier creation of the AWS CloudFormation JSON by writing Python code to describe the AWS resources. troposphere also includes some basic support for OpenStack resources via Heat.</a:t>
+            </a:r>
+          </a:p>
+          <a:p>
+            <a:r>
+              <a:rPr lang="en-US" sz="1200" b="0" i="0" kern="1200" dirty="0">
+                <a:solidFill>
+                  <a:schemeClr val="tx1"/>
+                </a:solidFill>
+                <a:effectLst/>
+                <a:latin typeface="+mn-lt"/>
+                <a:ea typeface="+mn-ea"/>
+                <a:cs typeface="+mn-cs"/>
+              </a:rPr>
+              <a:t>Terraform can be classified as a tool in the </a:t>
+            </a:r>
+            <a:r>
+              <a:rPr lang="en-US" sz="1200" b="1" i="0" kern="1200" dirty="0">
+                <a:solidFill>
+                  <a:schemeClr val="tx1"/>
+                </a:solidFill>
+                <a:effectLst/>
+                <a:latin typeface="+mn-lt"/>
+                <a:ea typeface="+mn-ea"/>
+                <a:cs typeface="+mn-cs"/>
+              </a:rPr>
+              <a:t>"Infrastructure Build Tools"</a:t>
+            </a:r>
+            <a:r>
+              <a:rPr lang="en-US" sz="1200" b="0" i="0" kern="1200" dirty="0">
+                <a:solidFill>
+                  <a:schemeClr val="tx1"/>
+                </a:solidFill>
+                <a:effectLst/>
+                <a:latin typeface="+mn-lt"/>
+                <a:ea typeface="+mn-ea"/>
+                <a:cs typeface="+mn-cs"/>
+              </a:rPr>
+              <a:t> category, while troposphere is grouped under </a:t>
+            </a:r>
+            <a:r>
+              <a:rPr lang="en-US" sz="1200" b="1" i="0" kern="1200" dirty="0">
+                <a:solidFill>
+                  <a:schemeClr val="tx1"/>
+                </a:solidFill>
+                <a:effectLst/>
+                <a:latin typeface="+mn-lt"/>
+                <a:ea typeface="+mn-ea"/>
+                <a:cs typeface="+mn-cs"/>
+              </a:rPr>
+              <a:t>"AWS Tools"</a:t>
+            </a:r>
+            <a:endParaRPr lang="en-US" sz="1200" b="0" i="0" kern="1200" dirty="0">
+              <a:solidFill>
+                <a:schemeClr val="tx1"/>
+              </a:solidFill>
+              <a:effectLst/>
+              <a:latin typeface="+mn-lt"/>
+              <a:ea typeface="+mn-ea"/>
+              <a:cs typeface="+mn-cs"/>
+            </a:endParaRPr>
+          </a:p>
+          <a:p>
+            <a:endParaRPr lang="en-US" dirty="0"/>
+          </a:p>
+        </p:txBody>
+      </p:sp>
+      <p:sp>
+        <p:nvSpPr>
+          <p:cNvPr id="4" name="Slide Number Placeholder 3"/>
+          <p:cNvSpPr>
+            <a:spLocks noGrp="1"/>
+          </p:cNvSpPr>
+          <p:nvPr>
+            <p:ph type="sldNum" sz="quarter" idx="5"/>
+          </p:nvPr>
+        </p:nvSpPr>
+        <p:spPr/>
+        <p:txBody>
+          <a:bodyPr/>
+          <a:lstStyle/>
+          <a:p>
+            <a:fld id="{854849D2-CA60-4E91-8A83-9389C3F76D2A}" type="slidenum">
+              <a:rPr lang="en-US" smtClean="0"/>
+              <a:t>3</a:t>
+            </a:fld>
+            <a:endParaRPr lang="en-US"/>
+          </a:p>
+        </p:txBody>
+      </p:sp>
+    </p:spTree>
+    <p:extLst>
+      <p:ext uri="{BB962C8B-B14F-4D97-AF65-F5344CB8AC3E}">
+        <p14:creationId xmlns:p14="http://schemas.microsoft.com/office/powerpoint/2010/main" val="3707333174"/>
+      </p:ext>
+    </p:extLst>
+  </p:cSld>
+  <p:clrMapOvr>
+    <a:masterClrMapping/>
+  </p:clrMapOvr>
+</p:notes>
+</file>
+
+<file path=ppt/notesSlides/notesSlide3.xml><?xml version="1.0" encoding="utf-8"?>
+<p:notes xmlns:a="http://schemas.openxmlformats.org/drawingml/2006/main" xmlns:r="http://schemas.openxmlformats.org/officeDocument/2006/relationships" xmlns:p="http://schemas.openxmlformats.org/presentationml/2006/main">
+  <p:cSld>
+    <p:spTree>
+      <p:nvGrpSpPr>
+        <p:cNvPr id="1" name=""/>
+        <p:cNvGrpSpPr/>
+        <p:nvPr/>
+      </p:nvGrpSpPr>
+      <p:grpSpPr>
+        <a:xfrm>
+          <a:off x="0" y="0"/>
+          <a:ext cx="0" cy="0"/>
+          <a:chOff x="0" y="0"/>
+          <a:chExt cx="0" cy="0"/>
+        </a:xfrm>
+      </p:grpSpPr>
+      <p:sp>
+        <p:nvSpPr>
+          <p:cNvPr id="2" name="Slide Image Placeholder 1"/>
+          <p:cNvSpPr>
+            <a:spLocks noGrp="1" noRot="1" noChangeAspect="1"/>
+          </p:cNvSpPr>
+          <p:nvPr>
+            <p:ph type="sldImg"/>
+          </p:nvPr>
+        </p:nvSpPr>
+        <p:spPr/>
+      </p:sp>
+      <p:sp>
+        <p:nvSpPr>
+          <p:cNvPr id="3" name="Notes Placeholder 2"/>
+          <p:cNvSpPr>
+            <a:spLocks noGrp="1"/>
+          </p:cNvSpPr>
+          <p:nvPr>
+            <p:ph type="body" idx="1"/>
+          </p:nvPr>
+        </p:nvSpPr>
+        <p:spPr/>
+        <p:txBody>
+          <a:bodyPr/>
+          <a:lstStyle/>
+          <a:p>
+            <a:r>
+              <a:rPr lang="en-US" sz="1200" b="1" i="0" kern="1200" dirty="0" err="1">
+                <a:solidFill>
+                  <a:schemeClr val="tx1"/>
+                </a:solidFill>
+                <a:effectLst/>
+                <a:latin typeface="+mn-lt"/>
+                <a:ea typeface="+mn-ea"/>
+                <a:cs typeface="+mn-cs"/>
+              </a:rPr>
+              <a:t>Boto</a:t>
+            </a:r>
+            <a:r>
+              <a:rPr lang="en-US" sz="1200" b="0" i="0" kern="1200" dirty="0">
+                <a:solidFill>
+                  <a:schemeClr val="tx1"/>
+                </a:solidFill>
+                <a:effectLst/>
+                <a:latin typeface="+mn-lt"/>
+                <a:ea typeface="+mn-ea"/>
+                <a:cs typeface="+mn-cs"/>
+              </a:rPr>
+              <a:t> is the Amazon Web Services (AWS) SDK for Python. It enables Python developers to create, configure, and manage AWS services, such as EC2 and S3. </a:t>
+            </a:r>
+            <a:r>
+              <a:rPr lang="en-US" sz="1200" b="0" i="0" kern="1200" dirty="0" err="1">
+                <a:solidFill>
+                  <a:schemeClr val="tx1"/>
+                </a:solidFill>
+                <a:effectLst/>
+                <a:latin typeface="+mn-lt"/>
+                <a:ea typeface="+mn-ea"/>
+                <a:cs typeface="+mn-cs"/>
+              </a:rPr>
+              <a:t>Boto</a:t>
+            </a:r>
+            <a:r>
+              <a:rPr lang="en-US" sz="1200" b="0" i="0" kern="1200" dirty="0">
+                <a:solidFill>
+                  <a:schemeClr val="tx1"/>
+                </a:solidFill>
+                <a:effectLst/>
+                <a:latin typeface="+mn-lt"/>
+                <a:ea typeface="+mn-ea"/>
+                <a:cs typeface="+mn-cs"/>
+              </a:rPr>
+              <a:t> provides an easy to use, object-oriented API, as well as low-level access to AWS services.</a:t>
+            </a:r>
+            <a:endParaRPr lang="en-US" dirty="0"/>
+          </a:p>
+        </p:txBody>
+      </p:sp>
+      <p:sp>
+        <p:nvSpPr>
+          <p:cNvPr id="4" name="Slide Number Placeholder 3"/>
+          <p:cNvSpPr>
+            <a:spLocks noGrp="1"/>
+          </p:cNvSpPr>
+          <p:nvPr>
+            <p:ph type="sldNum" sz="quarter" idx="5"/>
+          </p:nvPr>
+        </p:nvSpPr>
+        <p:spPr/>
+        <p:txBody>
+          <a:bodyPr/>
+          <a:lstStyle/>
+          <a:p>
+            <a:fld id="{854849D2-CA60-4E91-8A83-9389C3F76D2A}" type="slidenum">
+              <a:rPr lang="en-US" smtClean="0"/>
+              <a:t>4</a:t>
+            </a:fld>
+            <a:endParaRPr lang="en-US"/>
+          </a:p>
+        </p:txBody>
+      </p:sp>
+    </p:spTree>
+    <p:extLst>
+      <p:ext uri="{BB962C8B-B14F-4D97-AF65-F5344CB8AC3E}">
+        <p14:creationId xmlns:p14="http://schemas.microsoft.com/office/powerpoint/2010/main" val="2791333252"/>
       </p:ext>
     </p:extLst>
   </p:cSld>
@@ -1287,7 +1738,7 @@
           <a:p>
             <a:fld id="{27B8273F-2766-4200-80E4-DA0439332E4F}" type="datetimeFigureOut">
               <a:rPr lang="en-US" smtClean="0"/>
-              <a:t>9/3/2019</a:t>
+              <a:t>10/24/2019</a:t>
             </a:fld>
             <a:endParaRPr lang="en-US"/>
           </a:p>
@@ -1538,7 +1989,7 @@
           <a:p>
             <a:fld id="{27B8273F-2766-4200-80E4-DA0439332E4F}" type="datetimeFigureOut">
               <a:rPr lang="en-US" smtClean="0"/>
-              <a:t>9/3/2019</a:t>
+              <a:t>10/24/2019</a:t>
             </a:fld>
             <a:endParaRPr lang="en-US"/>
           </a:p>
@@ -1852,7 +2303,7 @@
           <a:p>
             <a:fld id="{27B8273F-2766-4200-80E4-DA0439332E4F}" type="datetimeFigureOut">
               <a:rPr lang="en-US" smtClean="0"/>
-              <a:t>9/3/2019</a:t>
+              <a:t>10/24/2019</a:t>
             </a:fld>
             <a:endParaRPr lang="en-US"/>
           </a:p>
@@ -2193,7 +2644,7 @@
           <a:p>
             <a:fld id="{27B8273F-2766-4200-80E4-DA0439332E4F}" type="datetimeFigureOut">
               <a:rPr lang="en-US" smtClean="0"/>
-              <a:t>9/3/2019</a:t>
+              <a:t>10/24/2019</a:t>
             </a:fld>
             <a:endParaRPr lang="en-US"/>
           </a:p>
@@ -2507,7 +2958,7 @@
           <a:p>
             <a:fld id="{27B8273F-2766-4200-80E4-DA0439332E4F}" type="datetimeFigureOut">
               <a:rPr lang="en-US" smtClean="0"/>
-              <a:t>9/3/2019</a:t>
+              <a:t>10/24/2019</a:t>
             </a:fld>
             <a:endParaRPr lang="en-US"/>
           </a:p>
@@ -2900,7 +3351,7 @@
           <a:p>
             <a:fld id="{27B8273F-2766-4200-80E4-DA0439332E4F}" type="datetimeFigureOut">
               <a:rPr lang="en-US" smtClean="0"/>
-              <a:t>9/3/2019</a:t>
+              <a:t>10/24/2019</a:t>
             </a:fld>
             <a:endParaRPr lang="en-US"/>
           </a:p>
@@ -3070,7 +3521,7 @@
           <a:p>
             <a:fld id="{27B8273F-2766-4200-80E4-DA0439332E4F}" type="datetimeFigureOut">
               <a:rPr lang="en-US" smtClean="0"/>
-              <a:t>9/3/2019</a:t>
+              <a:t>10/24/2019</a:t>
             </a:fld>
             <a:endParaRPr lang="en-US"/>
           </a:p>
@@ -3250,7 +3701,7 @@
           <a:p>
             <a:fld id="{27B8273F-2766-4200-80E4-DA0439332E4F}" type="datetimeFigureOut">
               <a:rPr lang="en-US" smtClean="0"/>
-              <a:t>9/3/2019</a:t>
+              <a:t>10/24/2019</a:t>
             </a:fld>
             <a:endParaRPr lang="en-US"/>
           </a:p>
@@ -3638,7 +4089,7 @@
           <a:p>
             <a:fld id="{27B8273F-2766-4200-80E4-DA0439332E4F}" type="datetimeFigureOut">
               <a:rPr lang="en-US" smtClean="0"/>
-              <a:t>9/3/2019</a:t>
+              <a:t>10/24/2019</a:t>
             </a:fld>
             <a:endParaRPr lang="en-US"/>
           </a:p>
@@ -3885,7 +4336,7 @@
           <a:p>
             <a:fld id="{27B8273F-2766-4200-80E4-DA0439332E4F}" type="datetimeFigureOut">
               <a:rPr lang="en-US" smtClean="0"/>
-              <a:t>9/3/2019</a:t>
+              <a:t>10/24/2019</a:t>
             </a:fld>
             <a:endParaRPr lang="en-US"/>
           </a:p>
@@ -4117,7 +4568,7 @@
           <a:p>
             <a:fld id="{27B8273F-2766-4200-80E4-DA0439332E4F}" type="datetimeFigureOut">
               <a:rPr lang="en-US" smtClean="0"/>
-              <a:t>9/3/2019</a:t>
+              <a:t>10/24/2019</a:t>
             </a:fld>
             <a:endParaRPr lang="en-US"/>
           </a:p>
@@ -4491,7 +4942,7 @@
           <a:p>
             <a:fld id="{27B8273F-2766-4200-80E4-DA0439332E4F}" type="datetimeFigureOut">
               <a:rPr lang="en-US" smtClean="0"/>
-              <a:t>9/3/2019</a:t>
+              <a:t>10/24/2019</a:t>
             </a:fld>
             <a:endParaRPr lang="en-US"/>
           </a:p>
@@ -4614,7 +5065,7 @@
           <a:p>
             <a:fld id="{27B8273F-2766-4200-80E4-DA0439332E4F}" type="datetimeFigureOut">
               <a:rPr lang="en-US" smtClean="0"/>
-              <a:t>9/3/2019</a:t>
+              <a:t>10/24/2019</a:t>
             </a:fld>
             <a:endParaRPr lang="en-US"/>
           </a:p>
@@ -4709,7 +5160,7 @@
           <a:p>
             <a:fld id="{27B8273F-2766-4200-80E4-DA0439332E4F}" type="datetimeFigureOut">
               <a:rPr lang="en-US" smtClean="0"/>
-              <a:t>9/3/2019</a:t>
+              <a:t>10/24/2019</a:t>
             </a:fld>
             <a:endParaRPr lang="en-US"/>
           </a:p>
@@ -4964,7 +5415,7 @@
           <a:p>
             <a:fld id="{27B8273F-2766-4200-80E4-DA0439332E4F}" type="datetimeFigureOut">
               <a:rPr lang="en-US" smtClean="0"/>
-              <a:t>9/3/2019</a:t>
+              <a:t>10/24/2019</a:t>
             </a:fld>
             <a:endParaRPr lang="en-US"/>
           </a:p>
@@ -5227,7 +5678,7 @@
           <a:p>
             <a:fld id="{27B8273F-2766-4200-80E4-DA0439332E4F}" type="datetimeFigureOut">
               <a:rPr lang="en-US" smtClean="0"/>
-              <a:t>9/3/2019</a:t>
+              <a:t>10/24/2019</a:t>
             </a:fld>
             <a:endParaRPr lang="en-US"/>
           </a:p>
@@ -5970,7 +6421,7 @@
           <a:p>
             <a:fld id="{27B8273F-2766-4200-80E4-DA0439332E4F}" type="datetimeFigureOut">
               <a:rPr lang="en-US" smtClean="0"/>
-              <a:t>9/3/2019</a:t>
+              <a:t>10/24/2019</a:t>
             </a:fld>
             <a:endParaRPr lang="en-US"/>
           </a:p>
@@ -7078,36 +7529,6 @@
       </p:sp>
       <p:pic>
         <p:nvPicPr>
-          <p:cNvPr id="8" name="Picture 7">
-            <a:extLst>
-              <a:ext uri="{FF2B5EF4-FFF2-40B4-BE49-F238E27FC236}">
-                <a16:creationId xmlns:a16="http://schemas.microsoft.com/office/drawing/2014/main" id="{E45CB4E0-4FF0-4ACE-8702-4CF836841F15}"/>
-              </a:ext>
-            </a:extLst>
-          </p:cNvPr>
-          <p:cNvPicPr>
-            <a:picLocks noChangeAspect="1"/>
-          </p:cNvPicPr>
-          <p:nvPr/>
-        </p:nvPicPr>
-        <p:blipFill>
-          <a:blip r:embed="rId2"/>
-          <a:stretch>
-            <a:fillRect/>
-          </a:stretch>
-        </p:blipFill>
-        <p:spPr>
-          <a:xfrm>
-            <a:off x="5436846" y="3816180"/>
-            <a:ext cx="5248762" cy="2641900"/>
-          </a:xfrm>
-          <a:prstGeom prst="rect">
-            <a:avLst/>
-          </a:prstGeom>
-        </p:spPr>
-      </p:pic>
-      <p:pic>
-        <p:nvPicPr>
           <p:cNvPr id="9" name="Picture 8">
             <a:extLst>
               <a:ext uri="{FF2B5EF4-FFF2-40B4-BE49-F238E27FC236}">
@@ -7140,156 +7561,6 @@
     <p:extLst>
       <p:ext uri="{BB962C8B-B14F-4D97-AF65-F5344CB8AC3E}">
         <p14:creationId xmlns:p14="http://schemas.microsoft.com/office/powerpoint/2010/main" val="4076105969"/>
-      </p:ext>
-    </p:extLst>
-  </p:cSld>
-  <p:clrMapOvr>
-    <a:masterClrMapping/>
-  </p:clrMapOvr>
-</p:sld>
-</file>
-
-<file path=ppt/slides/slide5.xml><?xml version="1.0" encoding="utf-8"?>
-<p:sld xmlns:a="http://schemas.openxmlformats.org/drawingml/2006/main" xmlns:r="http://schemas.openxmlformats.org/officeDocument/2006/relationships" xmlns:p="http://schemas.openxmlformats.org/presentationml/2006/main">
-  <p:cSld>
-    <p:spTree>
-      <p:nvGrpSpPr>
-        <p:cNvPr id="1" name=""/>
-        <p:cNvGrpSpPr/>
-        <p:nvPr/>
-      </p:nvGrpSpPr>
-      <p:grpSpPr>
-        <a:xfrm>
-          <a:off x="0" y="0"/>
-          <a:ext cx="0" cy="0"/>
-          <a:chOff x="0" y="0"/>
-          <a:chExt cx="0" cy="0"/>
-        </a:xfrm>
-      </p:grpSpPr>
-      <p:pic>
-        <p:nvPicPr>
-          <p:cNvPr id="6" name="Content Placeholder 5">
-            <a:extLst>
-              <a:ext uri="{FF2B5EF4-FFF2-40B4-BE49-F238E27FC236}">
-                <a16:creationId xmlns:a16="http://schemas.microsoft.com/office/drawing/2014/main" id="{8E8EABD1-D9BC-4A0D-B189-E6697AD0DF10}"/>
-              </a:ext>
-            </a:extLst>
-          </p:cNvPr>
-          <p:cNvPicPr>
-            <a:picLocks noGrp="1" noChangeAspect="1"/>
-          </p:cNvPicPr>
-          <p:nvPr>
-            <p:ph idx="1"/>
-          </p:nvPr>
-        </p:nvPicPr>
-        <p:blipFill>
-          <a:blip r:embed="rId2"/>
-          <a:stretch>
-            <a:fillRect/>
-          </a:stretch>
-        </p:blipFill>
-        <p:spPr>
-          <a:xfrm>
-            <a:off x="592412" y="3253947"/>
-            <a:ext cx="4701323" cy="2934646"/>
-          </a:xfrm>
-          <a:prstGeom prst="rect">
-            <a:avLst/>
-          </a:prstGeom>
-        </p:spPr>
-      </p:pic>
-      <p:sp>
-        <p:nvSpPr>
-          <p:cNvPr id="3" name="Text Placeholder 2">
-            <a:extLst>
-              <a:ext uri="{FF2B5EF4-FFF2-40B4-BE49-F238E27FC236}">
-                <a16:creationId xmlns:a16="http://schemas.microsoft.com/office/drawing/2014/main" id="{20E0AD95-60B1-48B4-834B-E74679FD5035}"/>
-              </a:ext>
-            </a:extLst>
-          </p:cNvPr>
-          <p:cNvSpPr>
-            <a:spLocks noGrp="1"/>
-          </p:cNvSpPr>
-          <p:nvPr>
-            <p:ph type="body" sz="quarter" idx="10"/>
-          </p:nvPr>
-        </p:nvSpPr>
-        <p:spPr/>
-        <p:txBody>
-          <a:bodyPr/>
-          <a:lstStyle/>
-          <a:p>
-            <a:r>
-              <a:rPr lang="en-US" dirty="0"/>
-              <a:t>Building and Deployment CF scripts</a:t>
-            </a:r>
-          </a:p>
-        </p:txBody>
-      </p:sp>
-      <p:pic>
-        <p:nvPicPr>
-          <p:cNvPr id="4" name="Picture 3">
-            <a:extLst>
-              <a:ext uri="{FF2B5EF4-FFF2-40B4-BE49-F238E27FC236}">
-                <a16:creationId xmlns:a16="http://schemas.microsoft.com/office/drawing/2014/main" id="{8B488699-C95C-4F13-AED2-A725EA60B2F4}"/>
-              </a:ext>
-            </a:extLst>
-          </p:cNvPr>
-          <p:cNvPicPr>
-            <a:picLocks noChangeAspect="1"/>
-          </p:cNvPicPr>
-          <p:nvPr/>
-        </p:nvPicPr>
-        <p:blipFill>
-          <a:blip r:embed="rId3"/>
-          <a:stretch>
-            <a:fillRect/>
-          </a:stretch>
-        </p:blipFill>
-        <p:spPr>
-          <a:xfrm>
-            <a:off x="5547025" y="1522290"/>
-            <a:ext cx="5656435" cy="4346187"/>
-          </a:xfrm>
-          <a:prstGeom prst="rect">
-            <a:avLst/>
-          </a:prstGeom>
-        </p:spPr>
-      </p:pic>
-      <p:pic>
-        <p:nvPicPr>
-          <p:cNvPr id="5" name="Picture 4">
-            <a:extLst>
-              <a:ext uri="{FF2B5EF4-FFF2-40B4-BE49-F238E27FC236}">
-                <a16:creationId xmlns:a16="http://schemas.microsoft.com/office/drawing/2014/main" id="{1A31DA1A-3EEF-4DAA-8213-982E0C60E509}"/>
-              </a:ext>
-            </a:extLst>
-          </p:cNvPr>
-          <p:cNvPicPr>
-            <a:picLocks noChangeAspect="1"/>
-          </p:cNvPicPr>
-          <p:nvPr/>
-        </p:nvPicPr>
-        <p:blipFill>
-          <a:blip r:embed="rId4"/>
-          <a:stretch>
-            <a:fillRect/>
-          </a:stretch>
-        </p:blipFill>
-        <p:spPr>
-          <a:xfrm>
-            <a:off x="592412" y="1522290"/>
-            <a:ext cx="4686300" cy="1228725"/>
-          </a:xfrm>
-          <a:prstGeom prst="rect">
-            <a:avLst/>
-          </a:prstGeom>
-        </p:spPr>
-      </p:pic>
-    </p:spTree>
-    <p:extLst>
-      <p:ext uri="{BB962C8B-B14F-4D97-AF65-F5344CB8AC3E}">
-        <p14:creationId xmlns:p14="http://schemas.microsoft.com/office/powerpoint/2010/main" val="1659458499"/>
       </p:ext>
     </p:extLst>
   </p:cSld>
